--- a/UK Demographics_8-13-2018.pptx
+++ b/UK Demographics_8-13-2018.pptx
@@ -245,7 +245,7 @@
           <a:p>
             <a:fld id="{1E490F2D-D974-4B41-ADD1-5AE93E61B1C2}" type="datetimeFigureOut">
               <a:rPr lang="en-US" smtClean="0"/>
-              <a:t>8/13/2018</a:t>
+              <a:t>8/15/2018</a:t>
             </a:fld>
             <a:endParaRPr lang="en-US"/>
           </a:p>
@@ -415,7 +415,7 @@
           <a:p>
             <a:fld id="{1E490F2D-D974-4B41-ADD1-5AE93E61B1C2}" type="datetimeFigureOut">
               <a:rPr lang="en-US" smtClean="0"/>
-              <a:t>8/13/2018</a:t>
+              <a:t>8/15/2018</a:t>
             </a:fld>
             <a:endParaRPr lang="en-US"/>
           </a:p>
@@ -595,7 +595,7 @@
           <a:p>
             <a:fld id="{1E490F2D-D974-4B41-ADD1-5AE93E61B1C2}" type="datetimeFigureOut">
               <a:rPr lang="en-US" smtClean="0"/>
-              <a:t>8/13/2018</a:t>
+              <a:t>8/15/2018</a:t>
             </a:fld>
             <a:endParaRPr lang="en-US"/>
           </a:p>
@@ -765,7 +765,7 @@
           <a:p>
             <a:fld id="{1E490F2D-D974-4B41-ADD1-5AE93E61B1C2}" type="datetimeFigureOut">
               <a:rPr lang="en-US" smtClean="0"/>
-              <a:t>8/13/2018</a:t>
+              <a:t>8/15/2018</a:t>
             </a:fld>
             <a:endParaRPr lang="en-US"/>
           </a:p>
@@ -1011,7 +1011,7 @@
           <a:p>
             <a:fld id="{1E490F2D-D974-4B41-ADD1-5AE93E61B1C2}" type="datetimeFigureOut">
               <a:rPr lang="en-US" smtClean="0"/>
-              <a:t>8/13/2018</a:t>
+              <a:t>8/15/2018</a:t>
             </a:fld>
             <a:endParaRPr lang="en-US"/>
           </a:p>
@@ -1243,7 +1243,7 @@
           <a:p>
             <a:fld id="{1E490F2D-D974-4B41-ADD1-5AE93E61B1C2}" type="datetimeFigureOut">
               <a:rPr lang="en-US" smtClean="0"/>
-              <a:t>8/13/2018</a:t>
+              <a:t>8/15/2018</a:t>
             </a:fld>
             <a:endParaRPr lang="en-US"/>
           </a:p>
@@ -1610,7 +1610,7 @@
           <a:p>
             <a:fld id="{1E490F2D-D974-4B41-ADD1-5AE93E61B1C2}" type="datetimeFigureOut">
               <a:rPr lang="en-US" smtClean="0"/>
-              <a:t>8/13/2018</a:t>
+              <a:t>8/15/2018</a:t>
             </a:fld>
             <a:endParaRPr lang="en-US"/>
           </a:p>
@@ -1728,7 +1728,7 @@
           <a:p>
             <a:fld id="{1E490F2D-D974-4B41-ADD1-5AE93E61B1C2}" type="datetimeFigureOut">
               <a:rPr lang="en-US" smtClean="0"/>
-              <a:t>8/13/2018</a:t>
+              <a:t>8/15/2018</a:t>
             </a:fld>
             <a:endParaRPr lang="en-US"/>
           </a:p>
@@ -1823,7 +1823,7 @@
           <a:p>
             <a:fld id="{1E490F2D-D974-4B41-ADD1-5AE93E61B1C2}" type="datetimeFigureOut">
               <a:rPr lang="en-US" smtClean="0"/>
-              <a:t>8/13/2018</a:t>
+              <a:t>8/15/2018</a:t>
             </a:fld>
             <a:endParaRPr lang="en-US"/>
           </a:p>
@@ -2100,7 +2100,7 @@
           <a:p>
             <a:fld id="{1E490F2D-D974-4B41-ADD1-5AE93E61B1C2}" type="datetimeFigureOut">
               <a:rPr lang="en-US" smtClean="0"/>
-              <a:t>8/13/2018</a:t>
+              <a:t>8/15/2018</a:t>
             </a:fld>
             <a:endParaRPr lang="en-US"/>
           </a:p>
@@ -2353,7 +2353,7 @@
           <a:p>
             <a:fld id="{1E490F2D-D974-4B41-ADD1-5AE93E61B1C2}" type="datetimeFigureOut">
               <a:rPr lang="en-US" smtClean="0"/>
-              <a:t>8/13/2018</a:t>
+              <a:t>8/15/2018</a:t>
             </a:fld>
             <a:endParaRPr lang="en-US"/>
           </a:p>
@@ -2566,7 +2566,7 @@
           <a:p>
             <a:fld id="{1E490F2D-D974-4B41-ADD1-5AE93E61B1C2}" type="datetimeFigureOut">
               <a:rPr lang="en-US" smtClean="0"/>
-              <a:t>8/13/2018</a:t>
+              <a:t>8/15/2018</a:t>
             </a:fld>
             <a:endParaRPr lang="en-US"/>
           </a:p>
@@ -3238,7 +3238,11 @@
           <a:p>
             <a:r>
               <a:rPr lang="en-US" dirty="0" smtClean="0"/>
-              <a:t>Current geographical counts</a:t>
+              <a:t>Current geographical </a:t>
+            </a:r>
+            <a:r>
+              <a:rPr lang="en-US" dirty="0" smtClean="0"/>
+              <a:t>counts. Completed Pathway question</a:t>
             </a:r>
             <a:endParaRPr lang="en-US" dirty="0"/>
           </a:p>
@@ -3246,21 +3250,22 @@
       </p:sp>
       <p:pic>
         <p:nvPicPr>
-          <p:cNvPr id="5" name="Picture 4"/>
+          <p:cNvPr id="3" name="Picture 2"/>
           <p:cNvPicPr>
             <a:picLocks noChangeAspect="1"/>
           </p:cNvPicPr>
           <p:nvPr/>
         </p:nvPicPr>
-        <p:blipFill rotWithShape="1">
+        <p:blipFill>
           <a:blip r:embed="rId2"/>
-          <a:srcRect l="25360" t="19460" r="25493" b="17844"/>
-          <a:stretch/>
+          <a:stretch>
+            <a:fillRect/>
+          </a:stretch>
         </p:blipFill>
         <p:spPr>
           <a:xfrm>
-            <a:off x="2352431" y="1453662"/>
-            <a:ext cx="2883878" cy="2274277"/>
+            <a:off x="392967" y="1609558"/>
+            <a:ext cx="5867908" cy="3017782"/>
           </a:xfrm>
           <a:prstGeom prst="rect">
             <a:avLst/>
